--- a/sample grocery store signs.pptx
+++ b/sample grocery store signs.pptx
@@ -106,6 +106,11 @@
       </a:defRPr>
     </a:lvl9pPr>
   </p:defaultTextStyle>
+  <p:extLst>
+    <p:ext uri="{EFAFB233-063F-42B5-8137-9DF3F51BA10A}">
+      <p15:sldGuideLst xmlns:p15="http://schemas.microsoft.com/office/powerpoint/2012/main"/>
+    </p:ext>
+  </p:extLst>
 </p:presentation>
 </file>
 
@@ -258,7 +263,7 @@
           <a:p>
             <a:fld id="{7C448FA3-A2C5-4B1B-92DC-96BBF9907A17}" type="datetimeFigureOut">
               <a:rPr lang="en-VI" smtClean="0"/>
-              <a:t>12/11/2021</a:t>
+              <a:t>12/19/2021</a:t>
             </a:fld>
             <a:endParaRPr lang="en-VI"/>
           </a:p>
@@ -458,7 +463,7 @@
           <a:p>
             <a:fld id="{7C448FA3-A2C5-4B1B-92DC-96BBF9907A17}" type="datetimeFigureOut">
               <a:rPr lang="en-VI" smtClean="0"/>
-              <a:t>12/11/2021</a:t>
+              <a:t>12/19/2021</a:t>
             </a:fld>
             <a:endParaRPr lang="en-VI"/>
           </a:p>
@@ -668,7 +673,7 @@
           <a:p>
             <a:fld id="{7C448FA3-A2C5-4B1B-92DC-96BBF9907A17}" type="datetimeFigureOut">
               <a:rPr lang="en-VI" smtClean="0"/>
-              <a:t>12/11/2021</a:t>
+              <a:t>12/19/2021</a:t>
             </a:fld>
             <a:endParaRPr lang="en-VI"/>
           </a:p>
@@ -868,7 +873,7 @@
           <a:p>
             <a:fld id="{7C448FA3-A2C5-4B1B-92DC-96BBF9907A17}" type="datetimeFigureOut">
               <a:rPr lang="en-VI" smtClean="0"/>
-              <a:t>12/11/2021</a:t>
+              <a:t>12/19/2021</a:t>
             </a:fld>
             <a:endParaRPr lang="en-VI"/>
           </a:p>
@@ -1144,7 +1149,7 @@
           <a:p>
             <a:fld id="{7C448FA3-A2C5-4B1B-92DC-96BBF9907A17}" type="datetimeFigureOut">
               <a:rPr lang="en-VI" smtClean="0"/>
-              <a:t>12/11/2021</a:t>
+              <a:t>12/19/2021</a:t>
             </a:fld>
             <a:endParaRPr lang="en-VI"/>
           </a:p>
@@ -1412,7 +1417,7 @@
           <a:p>
             <a:fld id="{7C448FA3-A2C5-4B1B-92DC-96BBF9907A17}" type="datetimeFigureOut">
               <a:rPr lang="en-VI" smtClean="0"/>
-              <a:t>12/11/2021</a:t>
+              <a:t>12/19/2021</a:t>
             </a:fld>
             <a:endParaRPr lang="en-VI"/>
           </a:p>
@@ -1827,7 +1832,7 @@
           <a:p>
             <a:fld id="{7C448FA3-A2C5-4B1B-92DC-96BBF9907A17}" type="datetimeFigureOut">
               <a:rPr lang="en-VI" smtClean="0"/>
-              <a:t>12/11/2021</a:t>
+              <a:t>12/19/2021</a:t>
             </a:fld>
             <a:endParaRPr lang="en-VI"/>
           </a:p>
@@ -1969,7 +1974,7 @@
           <a:p>
             <a:fld id="{7C448FA3-A2C5-4B1B-92DC-96BBF9907A17}" type="datetimeFigureOut">
               <a:rPr lang="en-VI" smtClean="0"/>
-              <a:t>12/11/2021</a:t>
+              <a:t>12/19/2021</a:t>
             </a:fld>
             <a:endParaRPr lang="en-VI"/>
           </a:p>
@@ -2082,7 +2087,7 @@
           <a:p>
             <a:fld id="{7C448FA3-A2C5-4B1B-92DC-96BBF9907A17}" type="datetimeFigureOut">
               <a:rPr lang="en-VI" smtClean="0"/>
-              <a:t>12/11/2021</a:t>
+              <a:t>12/19/2021</a:t>
             </a:fld>
             <a:endParaRPr lang="en-VI"/>
           </a:p>
@@ -2395,7 +2400,7 @@
           <a:p>
             <a:fld id="{7C448FA3-A2C5-4B1B-92DC-96BBF9907A17}" type="datetimeFigureOut">
               <a:rPr lang="en-VI" smtClean="0"/>
-              <a:t>12/11/2021</a:t>
+              <a:t>12/19/2021</a:t>
             </a:fld>
             <a:endParaRPr lang="en-VI"/>
           </a:p>
@@ -2684,7 +2689,7 @@
           <a:p>
             <a:fld id="{7C448FA3-A2C5-4B1B-92DC-96BBF9907A17}" type="datetimeFigureOut">
               <a:rPr lang="en-VI" smtClean="0"/>
-              <a:t>12/11/2021</a:t>
+              <a:t>12/19/2021</a:t>
             </a:fld>
             <a:endParaRPr lang="en-VI"/>
           </a:p>
@@ -2927,7 +2932,7 @@
           <a:p>
             <a:fld id="{7C448FA3-A2C5-4B1B-92DC-96BBF9907A17}" type="datetimeFigureOut">
               <a:rPr lang="en-VI" smtClean="0"/>
-              <a:t>12/11/2021</a:t>
+              <a:t>12/19/2021</a:t>
             </a:fld>
             <a:endParaRPr lang="en-VI"/>
           </a:p>
@@ -3431,7 +3436,7 @@
           <p:spPr>
             <a:xfrm>
               <a:off x="4396508" y="2595418"/>
-              <a:ext cx="3777674" cy="535709"/>
+              <a:ext cx="3784312" cy="633931"/>
             </a:xfrm>
             <a:prstGeom prst="rect">
               <a:avLst/>
@@ -3462,10 +3467,10 @@
             <a:p>
               <a:pPr algn="ctr"/>
               <a:r>
-                <a:rPr lang="en-US" sz="4000" dirty="0"/>
+                <a:rPr lang="en-US" sz="5000" dirty="0"/>
                 <a:t>Chips</a:t>
               </a:r>
-              <a:endParaRPr lang="en-VI" sz="4000" dirty="0"/>
+              <a:endParaRPr lang="en-VI" sz="5000" dirty="0"/>
             </a:p>
           </p:txBody>
         </p:sp>
@@ -3484,7 +3489,7 @@
           <p:spPr>
             <a:xfrm>
               <a:off x="4389870" y="3178321"/>
-              <a:ext cx="3777674" cy="535709"/>
+              <a:ext cx="3777674" cy="583114"/>
             </a:xfrm>
             <a:prstGeom prst="rect">
               <a:avLst/>
@@ -3515,10 +3520,10 @@
             <a:p>
               <a:pPr algn="ctr"/>
               <a:r>
-                <a:rPr lang="en-US" sz="4000" dirty="0"/>
+                <a:rPr lang="en-US" sz="5000" dirty="0"/>
                 <a:t>Candy</a:t>
               </a:r>
-              <a:endParaRPr lang="en-VI" sz="4000" dirty="0"/>
+              <a:endParaRPr lang="en-VI" sz="5000" dirty="0"/>
             </a:p>
           </p:txBody>
         </p:sp>
@@ -3537,7 +3542,7 @@
           <p:spPr>
             <a:xfrm>
               <a:off x="4389870" y="3761435"/>
-              <a:ext cx="3777674" cy="535709"/>
+              <a:ext cx="3777674" cy="583114"/>
             </a:xfrm>
             <a:prstGeom prst="rect">
               <a:avLst/>
@@ -3568,10 +3573,10 @@
             <a:p>
               <a:pPr algn="ctr"/>
               <a:r>
-                <a:rPr lang="en-US" sz="4000" dirty="0"/>
+                <a:rPr lang="en-US" sz="5000" dirty="0"/>
                 <a:t>Nuts</a:t>
               </a:r>
-              <a:endParaRPr lang="en-VI" sz="4000" dirty="0"/>
+              <a:endParaRPr lang="en-VI" sz="5000" dirty="0"/>
             </a:p>
           </p:txBody>
         </p:sp>
@@ -3621,10 +3626,10 @@
             <a:p>
               <a:pPr algn="ctr"/>
               <a:r>
-                <a:rPr lang="en-US" sz="8000" dirty="0"/>
+                <a:rPr lang="en-US" sz="12000" dirty="0"/>
                 <a:t>7</a:t>
               </a:r>
-              <a:endParaRPr lang="en-VI" sz="8000" dirty="0"/>
+              <a:endParaRPr lang="en-VI" sz="12000" dirty="0"/>
             </a:p>
           </p:txBody>
         </p:sp>
@@ -3643,7 +3648,7 @@
           <p:spPr>
             <a:xfrm>
               <a:off x="4389870" y="4344549"/>
-              <a:ext cx="3777674" cy="535709"/>
+              <a:ext cx="3790951" cy="586363"/>
             </a:xfrm>
             <a:prstGeom prst="rect">
               <a:avLst/>
@@ -3673,7 +3678,11 @@
             <a:lstStyle/>
             <a:p>
               <a:pPr algn="ctr"/>
-              <a:endParaRPr lang="en-VI" dirty="0"/>
+              <a:r>
+                <a:rPr lang="en-US" sz="5000" dirty="0"/>
+                <a:t>Snacks</a:t>
+              </a:r>
+              <a:endParaRPr lang="en-VI" sz="5000" dirty="0"/>
             </a:p>
           </p:txBody>
         </p:sp>
@@ -3691,8 +3700,8 @@
           </p:nvSpPr>
           <p:spPr>
             <a:xfrm>
-              <a:off x="4389870" y="4930912"/>
-              <a:ext cx="3777674" cy="535709"/>
+              <a:off x="4389869" y="4930912"/>
+              <a:ext cx="3790951" cy="604835"/>
             </a:xfrm>
             <a:prstGeom prst="rect">
               <a:avLst/>
@@ -3722,7 +3731,11 @@
             <a:lstStyle/>
             <a:p>
               <a:pPr algn="ctr"/>
-              <a:endParaRPr lang="en-VI" dirty="0"/>
+              <a:r>
+                <a:rPr lang="en-US" sz="5000" dirty="0"/>
+                <a:t>Protein Bars</a:t>
+              </a:r>
+              <a:endParaRPr lang="en-VI" sz="5000" dirty="0"/>
             </a:p>
           </p:txBody>
         </p:sp>
@@ -3771,7 +3784,11 @@
             <a:lstStyle/>
             <a:p>
               <a:pPr algn="ctr"/>
-              <a:endParaRPr lang="en-VI" dirty="0"/>
+              <a:r>
+                <a:rPr lang="en-US" sz="5000" dirty="0"/>
+                <a:t>Granola</a:t>
+              </a:r>
+              <a:endParaRPr lang="en-VI" sz="5000" dirty="0"/>
             </a:p>
           </p:txBody>
         </p:sp>
@@ -3893,7 +3910,7 @@
           <p:spPr>
             <a:xfrm>
               <a:off x="4396508" y="2595418"/>
-              <a:ext cx="3777674" cy="535709"/>
+              <a:ext cx="3771036" cy="582903"/>
             </a:xfrm>
             <a:prstGeom prst="rect">
               <a:avLst/>
@@ -3924,10 +3941,10 @@
             <a:p>
               <a:pPr algn="ctr"/>
               <a:r>
-                <a:rPr lang="en-US" sz="4000" dirty="0"/>
+                <a:rPr lang="en-US" sz="5000" dirty="0"/>
                 <a:t>Soft Drinks</a:t>
               </a:r>
-              <a:endParaRPr lang="en-VI" sz="4000" dirty="0"/>
+              <a:endParaRPr lang="en-VI" sz="5000" dirty="0"/>
             </a:p>
           </p:txBody>
         </p:sp>
@@ -3946,7 +3963,7 @@
           <p:spPr>
             <a:xfrm>
               <a:off x="4389870" y="3178321"/>
-              <a:ext cx="3777674" cy="535709"/>
+              <a:ext cx="3777674" cy="583114"/>
             </a:xfrm>
             <a:prstGeom prst="rect">
               <a:avLst/>
@@ -3977,14 +3994,14 @@
             <a:p>
               <a:pPr algn="ctr"/>
               <a:r>
-                <a:rPr lang="en-US" sz="4000" dirty="0"/>
+                <a:rPr lang="en-US" sz="5000" dirty="0"/>
                 <a:t>Flavored </a:t>
               </a:r>
               <a:r>
-                <a:rPr lang="en-US" sz="4000" dirty="0" err="1"/>
+                <a:rPr lang="en-US" sz="5000" dirty="0" err="1"/>
                 <a:t>Bevs</a:t>
               </a:r>
-              <a:endParaRPr lang="en-VI" sz="4000" dirty="0"/>
+              <a:endParaRPr lang="en-VI" sz="5000" dirty="0"/>
             </a:p>
           </p:txBody>
         </p:sp>
@@ -4002,8 +4019,8 @@
           </p:nvSpPr>
           <p:spPr>
             <a:xfrm>
-              <a:off x="4389870" y="3761435"/>
-              <a:ext cx="3777674" cy="535709"/>
+              <a:off x="4389869" y="3761435"/>
+              <a:ext cx="3777674" cy="586362"/>
             </a:xfrm>
             <a:prstGeom prst="rect">
               <a:avLst/>
@@ -4034,14 +4051,14 @@
             <a:p>
               <a:pPr algn="ctr"/>
               <a:r>
-                <a:rPr lang="en-US" sz="4000" dirty="0"/>
+                <a:rPr lang="en-US" sz="5000" dirty="0"/>
                 <a:t>Specialty </a:t>
               </a:r>
               <a:r>
-                <a:rPr lang="en-US" sz="4000" dirty="0" err="1"/>
+                <a:rPr lang="en-US" sz="5000" dirty="0" err="1"/>
                 <a:t>Bevs</a:t>
               </a:r>
-              <a:endParaRPr lang="en-VI" sz="4000" dirty="0"/>
+              <a:endParaRPr lang="en-VI" sz="5000" dirty="0"/>
             </a:p>
           </p:txBody>
         </p:sp>
@@ -4091,10 +4108,10 @@
             <a:p>
               <a:pPr algn="ctr"/>
               <a:r>
-                <a:rPr lang="en-US" sz="8000" dirty="0"/>
+                <a:rPr lang="en-US" sz="12000" dirty="0"/>
                 <a:t>8</a:t>
               </a:r>
-              <a:endParaRPr lang="en-VI" sz="8000" dirty="0"/>
+              <a:endParaRPr lang="en-VI" sz="12000" dirty="0"/>
             </a:p>
           </p:txBody>
         </p:sp>
@@ -4113,7 +4130,7 @@
           <p:spPr>
             <a:xfrm>
               <a:off x="4389870" y="4344549"/>
-              <a:ext cx="3777674" cy="535709"/>
+              <a:ext cx="3777674" cy="586364"/>
             </a:xfrm>
             <a:prstGeom prst="rect">
               <a:avLst/>
@@ -4144,10 +4161,10 @@
             <a:p>
               <a:pPr algn="ctr"/>
               <a:r>
-                <a:rPr lang="en-US" sz="4000" dirty="0"/>
+                <a:rPr lang="en-US" sz="5000" dirty="0"/>
                 <a:t>Water</a:t>
               </a:r>
-              <a:endParaRPr lang="en-VI" sz="4000" dirty="0"/>
+              <a:endParaRPr lang="en-VI" sz="5000" dirty="0"/>
             </a:p>
           </p:txBody>
         </p:sp>
@@ -4166,7 +4183,7 @@
           <p:spPr>
             <a:xfrm>
               <a:off x="4389870" y="4930912"/>
-              <a:ext cx="3777674" cy="535709"/>
+              <a:ext cx="3777674" cy="604835"/>
             </a:xfrm>
             <a:prstGeom prst="rect">
               <a:avLst/>
@@ -4367,7 +4384,7 @@
           <p:spPr>
             <a:xfrm>
               <a:off x="4396508" y="2595418"/>
-              <a:ext cx="3777674" cy="535709"/>
+              <a:ext cx="3771036" cy="582903"/>
             </a:xfrm>
             <a:prstGeom prst="rect">
               <a:avLst/>
@@ -4398,10 +4415,10 @@
             <a:p>
               <a:pPr algn="ctr"/>
               <a:r>
-                <a:rPr lang="en-US" sz="4000" dirty="0"/>
+                <a:rPr lang="en-US" sz="5000" dirty="0"/>
                 <a:t>Meat</a:t>
               </a:r>
-              <a:endParaRPr lang="en-VI" sz="4000" dirty="0"/>
+              <a:endParaRPr lang="en-VI" sz="5000" dirty="0"/>
             </a:p>
           </p:txBody>
         </p:sp>
@@ -4420,7 +4437,7 @@
           <p:spPr>
             <a:xfrm>
               <a:off x="4389870" y="3178321"/>
-              <a:ext cx="3777674" cy="535709"/>
+              <a:ext cx="3784312" cy="583114"/>
             </a:xfrm>
             <a:prstGeom prst="rect">
               <a:avLst/>
@@ -4451,10 +4468,10 @@
             <a:p>
               <a:pPr algn="ctr"/>
               <a:r>
-                <a:rPr lang="en-US" sz="4000" dirty="0"/>
+                <a:rPr lang="en-US" sz="5000" dirty="0"/>
                 <a:t>Entrees</a:t>
               </a:r>
-              <a:endParaRPr lang="en-VI" sz="4000" dirty="0"/>
+              <a:endParaRPr lang="en-VI" sz="5000" dirty="0"/>
             </a:p>
           </p:txBody>
         </p:sp>
@@ -4473,7 +4490,7 @@
           <p:spPr>
             <a:xfrm>
               <a:off x="4389870" y="3761435"/>
-              <a:ext cx="3777674" cy="535709"/>
+              <a:ext cx="3790951" cy="586363"/>
             </a:xfrm>
             <a:prstGeom prst="rect">
               <a:avLst/>
@@ -4504,10 +4521,10 @@
             <a:p>
               <a:pPr algn="ctr"/>
               <a:r>
-                <a:rPr lang="en-US" sz="4000" dirty="0"/>
+                <a:rPr lang="en-US" sz="5000" dirty="0"/>
                 <a:t>Potatoes</a:t>
               </a:r>
-              <a:endParaRPr lang="en-VI" sz="4000" dirty="0"/>
+              <a:endParaRPr lang="en-VI" sz="5000" dirty="0"/>
             </a:p>
           </p:txBody>
         </p:sp>
@@ -4557,10 +4574,10 @@
             <a:p>
               <a:pPr algn="ctr"/>
               <a:r>
-                <a:rPr lang="en-US" sz="8000" dirty="0"/>
+                <a:rPr lang="en-US" sz="12000" dirty="0"/>
                 <a:t>9</a:t>
               </a:r>
-              <a:endParaRPr lang="en-VI" sz="8000" dirty="0"/>
+              <a:endParaRPr lang="en-VI" sz="12000" dirty="0"/>
             </a:p>
           </p:txBody>
         </p:sp>
@@ -4578,8 +4595,8 @@
           </p:nvSpPr>
           <p:spPr>
             <a:xfrm>
-              <a:off x="4389870" y="4344549"/>
-              <a:ext cx="3777674" cy="535709"/>
+              <a:off x="4389869" y="4344549"/>
+              <a:ext cx="3790951" cy="586364"/>
             </a:xfrm>
             <a:prstGeom prst="rect">
               <a:avLst/>
@@ -4610,10 +4627,10 @@
             <a:p>
               <a:pPr algn="ctr"/>
               <a:r>
-                <a:rPr lang="en-US" sz="4000" dirty="0"/>
+                <a:rPr lang="en-US" sz="5000" dirty="0"/>
                 <a:t>Vegetables</a:t>
               </a:r>
-              <a:endParaRPr lang="en-VI" sz="4000" dirty="0"/>
+              <a:endParaRPr lang="en-VI" sz="5000" dirty="0"/>
             </a:p>
           </p:txBody>
         </p:sp>
@@ -4631,8 +4648,8 @@
           </p:nvSpPr>
           <p:spPr>
             <a:xfrm>
-              <a:off x="4389870" y="4930912"/>
-              <a:ext cx="3777674" cy="535709"/>
+              <a:off x="4389869" y="4930912"/>
+              <a:ext cx="3784312" cy="604835"/>
             </a:xfrm>
             <a:prstGeom prst="rect">
               <a:avLst/>
@@ -4663,10 +4680,10 @@
             <a:p>
               <a:pPr algn="ctr"/>
               <a:r>
-                <a:rPr lang="en-US" sz="4000" dirty="0"/>
+                <a:rPr lang="en-US" sz="5000" dirty="0"/>
                 <a:t>Pizza</a:t>
               </a:r>
-              <a:endParaRPr lang="en-VI" sz="4000" dirty="0"/>
+              <a:endParaRPr lang="en-VI" sz="5000" dirty="0"/>
             </a:p>
           </p:txBody>
         </p:sp>
@@ -4715,7 +4732,7 @@
             <a:lstStyle/>
             <a:p>
               <a:pPr algn="ctr"/>
-              <a:endParaRPr lang="en-VI" dirty="0"/>
+              <a:endParaRPr lang="en-VI" sz="5000" dirty="0"/>
             </a:p>
           </p:txBody>
         </p:sp>
